--- a/PPTs/460-LFU缓存.pptx
+++ b/PPTs/460-LFU缓存.pptx
@@ -2997,10 +2997,10 @@
           <a:bodyPr/>
           <a:p>
             <a:r>
-              <a:rPr lang="" altLang="zh-CN"/>
+              <a:rPr lang="en-US" altLang="zh-CN"/>
               <a:t>五、put方法</a:t>
             </a:r>
-            <a:endParaRPr lang="" altLang="zh-CN"/>
+            <a:endParaRPr lang="en-US" altLang="zh-CN"/>
           </a:p>
         </p:txBody>
       </p:sp>
@@ -3063,10 +3063,10 @@
           <a:bodyPr/>
           <a:p>
             <a:r>
-              <a:rPr lang="" altLang="zh-CN"/>
+              <a:rPr lang="en-US" altLang="zh-CN"/>
               <a:t>JAVA版</a:t>
             </a:r>
-            <a:endParaRPr lang="" altLang="zh-CN"/>
+            <a:endParaRPr lang="en-US" altLang="zh-CN"/>
           </a:p>
         </p:txBody>
       </p:sp>
@@ -3395,10 +3395,10 @@
           </a:bodyPr>
           <a:p>
             <a:r>
-              <a:rPr lang="" altLang="zh-CN"/>
+              <a:rPr lang="en-US" altLang="zh-CN"/>
               <a:t>C++版</a:t>
             </a:r>
-            <a:endParaRPr lang="" altLang="zh-CN"/>
+            <a:endParaRPr lang="en-US" altLang="zh-CN"/>
           </a:p>
         </p:txBody>
       </p:sp>
@@ -3453,10 +3453,10 @@
           <a:bodyPr/>
           <a:p>
             <a:r>
-              <a:rPr lang="" altLang="zh-CN"/>
+              <a:rPr lang="en-US" altLang="zh-CN"/>
               <a:t>六、核心函数</a:t>
             </a:r>
-            <a:endParaRPr lang="" altLang="zh-CN"/>
+            <a:endParaRPr lang="en-US" altLang="zh-CN"/>
           </a:p>
         </p:txBody>
       </p:sp>
@@ -4099,10 +4099,10 @@
           <a:bodyPr/>
           <a:p>
             <a:r>
-              <a:rPr lang="" altLang="zh-CN"/>
+              <a:rPr lang="en-US" altLang="zh-CN"/>
               <a:t>提炼LinkedHashSet</a:t>
             </a:r>
-            <a:endParaRPr lang="" altLang="zh-CN"/>
+            <a:endParaRPr lang="en-US" altLang="zh-CN"/>
           </a:p>
         </p:txBody>
       </p:sp>
@@ -4121,47 +4121,47 @@
           <a:bodyPr/>
           <a:p>
             <a:r>
-              <a:rPr lang="" altLang="zh-CN"/>
+              <a:rPr lang="en-US" altLang="zh-CN"/>
               <a:t>自己写LinkedHashSet，需要提供哪些接口？</a:t>
             </a:r>
-            <a:endParaRPr lang="" altLang="zh-CN"/>
-          </a:p>
-          <a:p>
-            <a:endParaRPr lang="" altLang="zh-CN"/>
-          </a:p>
-          <a:p>
-            <a:r>
-              <a:rPr lang="" altLang="zh-CN"/>
+            <a:endParaRPr lang="en-US" altLang="zh-CN"/>
+          </a:p>
+          <a:p>
+            <a:endParaRPr lang="en-US" altLang="zh-CN"/>
+          </a:p>
+          <a:p>
+            <a:r>
+              <a:rPr lang="en-US" altLang="zh-CN"/>
               <a:t>isEmpty()</a:t>
             </a:r>
-            <a:endParaRPr lang="" altLang="zh-CN"/>
-          </a:p>
-          <a:p>
-            <a:r>
-              <a:rPr lang="" altLang="zh-CN"/>
+            <a:endParaRPr lang="en-US" altLang="zh-CN"/>
+          </a:p>
+          <a:p>
+            <a:r>
+              <a:rPr lang="en-US" altLang="zh-CN"/>
               <a:t>add()</a:t>
             </a:r>
-            <a:endParaRPr lang="" altLang="zh-CN"/>
-          </a:p>
-          <a:p>
-            <a:r>
-              <a:rPr lang="" altLang="zh-CN"/>
+            <a:endParaRPr lang="en-US" altLang="zh-CN"/>
+          </a:p>
+          <a:p>
+            <a:r>
+              <a:rPr lang="en-US" altLang="zh-CN"/>
               <a:t>remove()</a:t>
             </a:r>
-            <a:endParaRPr lang="" altLang="zh-CN"/>
-          </a:p>
-          <a:p>
-            <a:endParaRPr lang="" altLang="zh-CN"/>
-          </a:p>
-          <a:p>
-            <a:pPr marL="0" indent="0">
-              <a:buNone/>
-            </a:pPr>
-            <a:r>
-              <a:rPr lang="" altLang="zh-CN"/>
+            <a:endParaRPr lang="en-US" altLang="zh-CN"/>
+          </a:p>
+          <a:p>
+            <a:endParaRPr lang="en-US" altLang="zh-CN"/>
+          </a:p>
+          <a:p>
+            <a:pPr marL="0" indent="0">
+              <a:buNone/>
+            </a:pPr>
+            <a:r>
+              <a:rPr lang="en-US" altLang="zh-CN"/>
               <a:t>之后，改为C++版即可</a:t>
             </a:r>
-            <a:endParaRPr lang="" altLang="zh-CN"/>
+            <a:endParaRPr lang="en-US" altLang="zh-CN"/>
           </a:p>
         </p:txBody>
       </p:sp>
@@ -4198,10 +4198,10 @@
           <a:bodyPr/>
           <a:p>
             <a:r>
-              <a:rPr lang="" altLang="zh-CN"/>
+              <a:rPr lang="en-US" altLang="zh-CN"/>
               <a:t>一、列举需求</a:t>
             </a:r>
-            <a:endParaRPr lang="" altLang="zh-CN"/>
+            <a:endParaRPr lang="en-US" altLang="zh-CN"/>
           </a:p>
         </p:txBody>
       </p:sp>
@@ -4280,10 +4280,10 @@
           <a:bodyPr/>
           <a:p>
             <a:r>
-              <a:rPr lang="" altLang="zh-CN"/>
+              <a:rPr lang="en-US" altLang="zh-CN"/>
               <a:t>二、数据结构</a:t>
             </a:r>
-            <a:endParaRPr lang="" altLang="zh-CN"/>
+            <a:endParaRPr lang="en-US" altLang="zh-CN"/>
           </a:p>
         </p:txBody>
       </p:sp>
@@ -4302,58 +4302,58 @@
           <a:bodyPr/>
           <a:p>
             <a:r>
-              <a:rPr lang="" altLang="zh-CN"/>
+              <a:rPr lang="en-US" altLang="zh-CN"/>
               <a:t>1. O(1)的时间get(key)，使用hash_map存储key-val映射</a:t>
             </a:r>
-            <a:endParaRPr lang="" altLang="zh-CN"/>
-          </a:p>
-          <a:p>
-            <a:r>
-              <a:rPr lang="" altLang="zh-CN"/>
+            <a:endParaRPr lang="en-US" altLang="zh-CN"/>
+          </a:p>
+          <a:p>
+            <a:r>
+              <a:rPr lang="en-US" altLang="zh-CN"/>
               <a:t>2. 一个key对应一个freq，所以用hash_map存储一个key_freq映射</a:t>
             </a:r>
-            <a:endParaRPr lang="" altLang="zh-CN"/>
-          </a:p>
-          <a:p>
-            <a:r>
-              <a:rPr lang="" altLang="zh-CN"/>
+            <a:endParaRPr lang="en-US" altLang="zh-CN"/>
+          </a:p>
+          <a:p>
+            <a:r>
+              <a:rPr lang="en-US" altLang="zh-CN"/>
               <a:t>3.1 freq到key的映射</a:t>
             </a:r>
-            <a:endParaRPr lang="" altLang="zh-CN"/>
-          </a:p>
-          <a:p>
-            <a:r>
-              <a:rPr lang="" altLang="zh-CN"/>
+            <a:endParaRPr lang="en-US" altLang="zh-CN"/>
+          </a:p>
+          <a:p>
+            <a:r>
+              <a:rPr lang="en-US" altLang="zh-CN"/>
               <a:t>3.2 最小的freq不能去查找，一找就不再是O(1)了。所以用一个变量min_freq来记录。</a:t>
             </a:r>
-            <a:endParaRPr lang="" altLang="zh-CN"/>
-          </a:p>
-          <a:p>
-            <a:r>
-              <a:rPr lang="" altLang="zh-CN"/>
+            <a:endParaRPr lang="en-US" altLang="zh-CN"/>
+          </a:p>
+          <a:p>
+            <a:r>
+              <a:rPr lang="en-US" altLang="zh-CN"/>
               <a:t>3.3 freq对应key是一对多，即一个key对应一个freq集合</a:t>
             </a:r>
-            <a:endParaRPr lang="" altLang="zh-CN"/>
-          </a:p>
-          <a:p>
-            <a:r>
-              <a:rPr lang="" altLang="zh-CN"/>
+            <a:endParaRPr lang="en-US" altLang="zh-CN"/>
+          </a:p>
+          <a:p>
+            <a:r>
+              <a:rPr lang="en-US" altLang="zh-CN"/>
               <a:t>3.4 freq对应的key列表是存在时序的，这样能删掉最老的</a:t>
             </a:r>
-            <a:endParaRPr lang="" altLang="zh-CN"/>
-          </a:p>
-          <a:p>
-            <a:r>
-              <a:rPr lang="" altLang="zh-CN"/>
+            <a:endParaRPr lang="en-US" altLang="zh-CN"/>
+          </a:p>
+          <a:p>
+            <a:r>
+              <a:rPr lang="en-US" altLang="zh-CN"/>
               <a:t>3.5 希望能快速删除key列表中的任何一个key</a:t>
             </a:r>
-            <a:endParaRPr lang="" altLang="zh-CN"/>
-          </a:p>
-          <a:p>
-            <a:endParaRPr lang="" altLang="zh-CN"/>
-          </a:p>
-          <a:p>
-            <a:endParaRPr lang="" altLang="zh-CN"/>
+            <a:endParaRPr lang="en-US" altLang="zh-CN"/>
+          </a:p>
+          <a:p>
+            <a:endParaRPr lang="en-US" altLang="zh-CN"/>
+          </a:p>
+          <a:p>
+            <a:endParaRPr lang="en-US" altLang="zh-CN"/>
           </a:p>
         </p:txBody>
       </p:sp>
@@ -4389,7 +4389,7 @@
         <p:txBody>
           <a:bodyPr/>
           <a:p>
-            <a:endParaRPr lang="" altLang="zh-CN"/>
+            <a:endParaRPr lang="en-US" altLang="zh-CN"/>
           </a:p>
         </p:txBody>
       </p:sp>
@@ -4408,10 +4408,10 @@
           <a:bodyPr/>
           <a:p>
             <a:r>
-              <a:rPr lang="" altLang="zh-CN"/>
+              <a:rPr lang="en-US" altLang="zh-CN"/>
               <a:t>所以，freq对应的key集合应该用LinkedHashSet这个数据结构</a:t>
             </a:r>
-            <a:endParaRPr lang="" altLang="zh-CN"/>
+            <a:endParaRPr lang="en-US" altLang="zh-CN"/>
           </a:p>
         </p:txBody>
       </p:sp>
@@ -4453,10 +4453,10 @@
           <a:bodyPr/>
           <a:p>
             <a:r>
-              <a:rPr lang="" altLang="zh-CN"/>
+              <a:rPr lang="en-US" altLang="zh-CN"/>
               <a:t>三、程序框架（JAVA）</a:t>
             </a:r>
-            <a:endParaRPr lang="" altLang="zh-CN"/>
+            <a:endParaRPr lang="en-US" altLang="zh-CN"/>
           </a:p>
         </p:txBody>
       </p:sp>
@@ -4797,10 +4797,10 @@
           <a:bodyPr/>
           <a:p>
             <a:r>
-              <a:rPr lang="" altLang="zh-CN"/>
+              <a:rPr lang="en-US" altLang="zh-CN"/>
               <a:t>程序框架（C++）</a:t>
             </a:r>
-            <a:endParaRPr lang="" altLang="zh-CN"/>
+            <a:endParaRPr lang="en-US" altLang="zh-CN"/>
           </a:p>
         </p:txBody>
       </p:sp>
@@ -4855,10 +4855,10 @@
           <a:bodyPr/>
           <a:p>
             <a:r>
-              <a:rPr lang="" altLang="zh-CN"/>
+              <a:rPr lang="en-US" altLang="zh-CN"/>
               <a:t>四、get方法</a:t>
             </a:r>
-            <a:endParaRPr lang="" altLang="zh-CN"/>
+            <a:endParaRPr lang="en-US" altLang="zh-CN"/>
           </a:p>
         </p:txBody>
       </p:sp>
@@ -4877,30 +4877,30 @@
           <a:bodyPr/>
           <a:p>
             <a:r>
-              <a:rPr lang="" altLang="zh-CN"/>
+              <a:rPr lang="en-US" altLang="zh-CN"/>
               <a:t>思路：逻辑很简单，</a:t>
             </a:r>
-            <a:endParaRPr lang="" altLang="zh-CN"/>
-          </a:p>
-          <a:p>
-            <a:pPr marL="0" indent="0">
-              <a:buNone/>
-            </a:pPr>
-            <a:r>
-              <a:rPr lang="" altLang="zh-CN"/>
+            <a:endParaRPr lang="en-US" altLang="zh-CN"/>
+          </a:p>
+          <a:p>
+            <a:pPr marL="0" indent="0">
+              <a:buNone/>
+            </a:pPr>
+            <a:r>
+              <a:rPr lang="en-US" altLang="zh-CN"/>
               <a:t>1、返回key对应的val，这个调用KV表就能实现</a:t>
             </a:r>
-            <a:endParaRPr lang="" altLang="zh-CN"/>
-          </a:p>
-          <a:p>
-            <a:pPr marL="0" indent="0">
-              <a:buNone/>
-            </a:pPr>
-            <a:r>
-              <a:rPr lang="" altLang="zh-CN"/>
+            <a:endParaRPr lang="en-US" altLang="zh-CN"/>
+          </a:p>
+          <a:p>
+            <a:pPr marL="0" indent="0">
+              <a:buNone/>
+            </a:pPr>
+            <a:r>
+              <a:rPr lang="en-US" altLang="zh-CN"/>
               <a:t>2、增加key对应的freq。这个是核心，需要同时改动KF表和FK表，所以直接抽象成一个功能函数，待后面实现</a:t>
             </a:r>
-            <a:endParaRPr lang="" altLang="zh-CN"/>
+            <a:endParaRPr lang="en-US" altLang="zh-CN"/>
           </a:p>
         </p:txBody>
       </p:sp>
@@ -4937,10 +4937,10 @@
           <a:bodyPr/>
           <a:p>
             <a:r>
-              <a:rPr lang="" altLang="zh-CN"/>
+              <a:rPr lang="en-US" altLang="zh-CN"/>
               <a:t>JAVA版</a:t>
             </a:r>
-            <a:endParaRPr lang="" altLang="zh-CN"/>
+            <a:endParaRPr lang="en-US" altLang="zh-CN"/>
           </a:p>
         </p:txBody>
       </p:sp>
@@ -5072,10 +5072,10 @@
           <a:bodyPr/>
           <a:p>
             <a:r>
-              <a:rPr lang="" altLang="zh-CN"/>
+              <a:rPr lang="en-US" altLang="zh-CN"/>
               <a:t>C++版</a:t>
             </a:r>
-            <a:endParaRPr lang="" altLang="zh-CN"/>
+            <a:endParaRPr lang="en-US" altLang="zh-CN"/>
           </a:p>
         </p:txBody>
       </p:sp>
